--- a/PPT_수정내용 210420.pptx
+++ b/PPT_수정내용 210420.pptx
@@ -6,6 +6,9 @@
   </p:sldMasterIdLst>
   <p:sldIdLst>
     <p:sldId id="256" r:id="rId2"/>
+    <p:sldId id="257" r:id="rId3"/>
+    <p:sldId id="259" r:id="rId4"/>
+    <p:sldId id="258" r:id="rId5"/>
   </p:sldIdLst>
   <p:sldSz cx="9144000" cy="6858000" type="screen4x3"/>
   <p:notesSz cx="6858000" cy="9144000"/>
@@ -3185,6 +3188,210 @@
 </p:sld>
 </file>
 
+<file path=ppt/slides/slide2.xml><?xml version="1.0" encoding="utf-8"?>
+<p:sld xmlns:a="http://schemas.openxmlformats.org/drawingml/2006/main" xmlns:r="http://schemas.openxmlformats.org/officeDocument/2006/relationships" xmlns:p="http://schemas.openxmlformats.org/presentationml/2006/main">
+  <p:cSld>
+    <p:spTree>
+      <p:nvGrpSpPr>
+        <p:cNvPr id="1" name=""/>
+        <p:cNvGrpSpPr/>
+        <p:nvPr/>
+      </p:nvGrpSpPr>
+      <p:grpSpPr>
+        <a:xfrm>
+          <a:off x="0" y="0"/>
+          <a:ext cx="0" cy="0"/>
+          <a:chOff x="0" y="0"/>
+          <a:chExt cx="0" cy="0"/>
+        </a:xfrm>
+      </p:grpSpPr>
+      <p:sp>
+        <p:nvSpPr>
+          <p:cNvPr id="4" name="직사각형 3"/>
+          <p:cNvSpPr/>
+          <p:nvPr/>
+        </p:nvSpPr>
+        <p:spPr>
+          <a:xfrm>
+            <a:off x="467544" y="476672"/>
+            <a:ext cx="4572000" cy="584775"/>
+          </a:xfrm>
+          <a:prstGeom prst="rect">
+            <a:avLst/>
+          </a:prstGeom>
+        </p:spPr>
+        <p:txBody>
+          <a:bodyPr>
+            <a:spAutoFit/>
+          </a:bodyPr>
+          <a:lstStyle/>
+          <a:p>
+            <a:r>
+              <a:rPr lang="ko-KR" altLang="en-US" sz="3200" dirty="0" smtClean="0"/>
+              <a:t>폼</a:t>
+            </a:r>
+            <a:r>
+              <a:rPr lang="en-US" altLang="ko-KR" sz="3200" dirty="0" smtClean="0"/>
+              <a:t>1. </a:t>
+            </a:r>
+            <a:r>
+              <a:rPr lang="ko-KR" altLang="en-US" sz="3200" dirty="0" smtClean="0"/>
+              <a:t>제약사 정보 </a:t>
+            </a:r>
+            <a:r>
+              <a:rPr lang="ko-KR" altLang="en-US" sz="3200" dirty="0"/>
+              <a:t>조회</a:t>
+            </a:r>
+          </a:p>
+        </p:txBody>
+      </p:sp>
+    </p:spTree>
+    <p:extLst>
+      <p:ext uri="{BB962C8B-B14F-4D97-AF65-F5344CB8AC3E}">
+        <p14:creationId xmlns:p14="http://schemas.microsoft.com/office/powerpoint/2010/main" val="3660318690"/>
+      </p:ext>
+    </p:extLst>
+  </p:cSld>
+  <p:clrMapOvr>
+    <a:masterClrMapping/>
+  </p:clrMapOvr>
+</p:sld>
+</file>
+
+<file path=ppt/slides/slide3.xml><?xml version="1.0" encoding="utf-8"?>
+<p:sld xmlns:a="http://schemas.openxmlformats.org/drawingml/2006/main" xmlns:r="http://schemas.openxmlformats.org/officeDocument/2006/relationships" xmlns:p="http://schemas.openxmlformats.org/presentationml/2006/main">
+  <p:cSld>
+    <p:spTree>
+      <p:nvGrpSpPr>
+        <p:cNvPr id="1" name=""/>
+        <p:cNvGrpSpPr/>
+        <p:nvPr/>
+      </p:nvGrpSpPr>
+      <p:grpSpPr>
+        <a:xfrm>
+          <a:off x="0" y="0"/>
+          <a:ext cx="0" cy="0"/>
+          <a:chOff x="0" y="0"/>
+          <a:chExt cx="0" cy="0"/>
+        </a:xfrm>
+      </p:grpSpPr>
+      <p:sp>
+        <p:nvSpPr>
+          <p:cNvPr id="4" name="직사각형 3"/>
+          <p:cNvSpPr/>
+          <p:nvPr/>
+        </p:nvSpPr>
+        <p:spPr>
+          <a:xfrm>
+            <a:off x="467544" y="476672"/>
+            <a:ext cx="4572000" cy="584775"/>
+          </a:xfrm>
+          <a:prstGeom prst="rect">
+            <a:avLst/>
+          </a:prstGeom>
+        </p:spPr>
+        <p:txBody>
+          <a:bodyPr>
+            <a:spAutoFit/>
+          </a:bodyPr>
+          <a:lstStyle/>
+          <a:p>
+            <a:r>
+              <a:rPr lang="ko-KR" altLang="en-US" sz="3200" dirty="0" smtClean="0"/>
+              <a:t>폼</a:t>
+            </a:r>
+            <a:r>
+              <a:rPr lang="en-US" altLang="ko-KR" sz="3200" dirty="0" smtClean="0"/>
+              <a:t>2. </a:t>
+            </a:r>
+            <a:r>
+              <a:rPr lang="ko-KR" altLang="en-US" sz="3200" dirty="0" err="1"/>
+              <a:t>약품정보</a:t>
+            </a:r>
+            <a:endParaRPr lang="ko-KR" altLang="en-US" sz="3200" dirty="0"/>
+          </a:p>
+        </p:txBody>
+      </p:sp>
+    </p:spTree>
+    <p:extLst>
+      <p:ext uri="{BB962C8B-B14F-4D97-AF65-F5344CB8AC3E}">
+        <p14:creationId xmlns:p14="http://schemas.microsoft.com/office/powerpoint/2010/main" val="3422461178"/>
+      </p:ext>
+    </p:extLst>
+  </p:cSld>
+  <p:clrMapOvr>
+    <a:masterClrMapping/>
+  </p:clrMapOvr>
+</p:sld>
+</file>
+
+<file path=ppt/slides/slide4.xml><?xml version="1.0" encoding="utf-8"?>
+<p:sld xmlns:a="http://schemas.openxmlformats.org/drawingml/2006/main" xmlns:r="http://schemas.openxmlformats.org/officeDocument/2006/relationships" xmlns:p="http://schemas.openxmlformats.org/presentationml/2006/main">
+  <p:cSld>
+    <p:spTree>
+      <p:nvGrpSpPr>
+        <p:cNvPr id="1" name=""/>
+        <p:cNvGrpSpPr/>
+        <p:nvPr/>
+      </p:nvGrpSpPr>
+      <p:grpSpPr>
+        <a:xfrm>
+          <a:off x="0" y="0"/>
+          <a:ext cx="0" cy="0"/>
+          <a:chOff x="0" y="0"/>
+          <a:chExt cx="0" cy="0"/>
+        </a:xfrm>
+      </p:grpSpPr>
+      <p:sp>
+        <p:nvSpPr>
+          <p:cNvPr id="4" name="직사각형 3"/>
+          <p:cNvSpPr/>
+          <p:nvPr/>
+        </p:nvSpPr>
+        <p:spPr>
+          <a:xfrm>
+            <a:off x="467544" y="476672"/>
+            <a:ext cx="4572000" cy="584775"/>
+          </a:xfrm>
+          <a:prstGeom prst="rect">
+            <a:avLst/>
+          </a:prstGeom>
+        </p:spPr>
+        <p:txBody>
+          <a:bodyPr>
+            <a:spAutoFit/>
+          </a:bodyPr>
+          <a:lstStyle/>
+          <a:p>
+            <a:r>
+              <a:rPr lang="ko-KR" altLang="en-US" sz="3200" dirty="0" smtClean="0"/>
+              <a:t>폼</a:t>
+            </a:r>
+            <a:r>
+              <a:rPr lang="en-US" altLang="ko-KR" sz="3200" dirty="0" smtClean="0"/>
+              <a:t>3. </a:t>
+            </a:r>
+            <a:r>
+              <a:rPr lang="ko-KR" altLang="en-US" sz="3200" dirty="0" err="1"/>
+              <a:t>주문관리</a:t>
+            </a:r>
+            <a:endParaRPr lang="ko-KR" altLang="en-US" sz="3200" dirty="0"/>
+          </a:p>
+        </p:txBody>
+      </p:sp>
+    </p:spTree>
+    <p:extLst>
+      <p:ext uri="{BB962C8B-B14F-4D97-AF65-F5344CB8AC3E}">
+        <p14:creationId xmlns:p14="http://schemas.microsoft.com/office/powerpoint/2010/main" val="4116199531"/>
+      </p:ext>
+    </p:extLst>
+  </p:cSld>
+  <p:clrMapOvr>
+    <a:masterClrMapping/>
+  </p:clrMapOvr>
+</p:sld>
+</file>
+
 <file path=ppt/theme/theme1.xml><?xml version="1.0" encoding="utf-8"?>
 <a:theme xmlns:a="http://schemas.openxmlformats.org/drawingml/2006/main" name="Office 테마">
   <a:themeElements>

--- a/PPT_수정내용 210420.pptx
+++ b/PPT_수정내용 210420.pptx
@@ -3245,6 +3245,112 @@
           </a:p>
         </p:txBody>
       </p:sp>
+      <p:pic>
+        <p:nvPicPr>
+          <p:cNvPr id="3" name="그림 2"/>
+          <p:cNvPicPr>
+            <a:picLocks noChangeAspect="1"/>
+          </p:cNvPicPr>
+          <p:nvPr/>
+        </p:nvPicPr>
+        <p:blipFill>
+          <a:blip r:embed="rId2"/>
+          <a:stretch>
+            <a:fillRect/>
+          </a:stretch>
+        </p:blipFill>
+        <p:spPr>
+          <a:xfrm>
+            <a:off x="467544" y="1556792"/>
+            <a:ext cx="5383540" cy="4056311"/>
+          </a:xfrm>
+          <a:prstGeom prst="rect">
+            <a:avLst/>
+          </a:prstGeom>
+        </p:spPr>
+      </p:pic>
+      <p:sp>
+        <p:nvSpPr>
+          <p:cNvPr id="6" name="직사각형 5"/>
+          <p:cNvSpPr/>
+          <p:nvPr/>
+        </p:nvSpPr>
+        <p:spPr>
+          <a:xfrm>
+            <a:off x="6084168" y="1528881"/>
+            <a:ext cx="2376264" cy="1631216"/>
+          </a:xfrm>
+          <a:prstGeom prst="rect">
+            <a:avLst/>
+          </a:prstGeom>
+        </p:spPr>
+        <p:txBody>
+          <a:bodyPr wrap="square">
+            <a:spAutoFit/>
+          </a:bodyPr>
+          <a:lstStyle/>
+          <a:p>
+            <a:r>
+              <a:rPr lang="ko-KR" altLang="en-US" sz="2000" dirty="0" err="1" smtClean="0"/>
+              <a:t>발주용</a:t>
+            </a:r>
+            <a:r>
+              <a:rPr lang="ko-KR" altLang="en-US" sz="2000" dirty="0" smtClean="0"/>
+              <a:t> 메일주소 속성</a:t>
+            </a:r>
+            <a:r>
+              <a:rPr lang="en-US" altLang="ko-KR" sz="2000" dirty="0" smtClean="0"/>
+              <a:t>(</a:t>
+            </a:r>
+            <a:r>
+              <a:rPr lang="ko-KR" altLang="en-US" sz="2000" dirty="0" smtClean="0"/>
+              <a:t>항목</a:t>
+            </a:r>
+            <a:r>
+              <a:rPr lang="en-US" altLang="ko-KR" sz="2000" dirty="0" smtClean="0"/>
+              <a:t>) </a:t>
+            </a:r>
+            <a:r>
+              <a:rPr lang="ko-KR" altLang="en-US" sz="2000" dirty="0" smtClean="0"/>
+              <a:t>추가</a:t>
+            </a:r>
+            <a:endParaRPr lang="en-US" altLang="ko-KR" sz="2000" dirty="0" smtClean="0"/>
+          </a:p>
+          <a:p>
+            <a:r>
+              <a:rPr lang="en-US" altLang="ko-KR" sz="2000" dirty="0" smtClean="0"/>
+              <a:t/>
+            </a:r>
+            <a:br>
+              <a:rPr lang="en-US" altLang="ko-KR" sz="2000" dirty="0" smtClean="0"/>
+            </a:br>
+            <a:r>
+              <a:rPr lang="en-US" altLang="ko-KR" sz="2000" dirty="0" smtClean="0"/>
+              <a:t>- </a:t>
+            </a:r>
+            <a:r>
+              <a:rPr lang="ko-KR" altLang="en-US" sz="2000" dirty="0" err="1" smtClean="0"/>
+              <a:t>그리드뷰</a:t>
+            </a:r>
+            <a:r>
+              <a:rPr lang="ko-KR" altLang="en-US" sz="2000" dirty="0" smtClean="0"/>
+              <a:t> </a:t>
+            </a:r>
+            <a:endParaRPr lang="en-US" altLang="ko-KR" sz="2000" dirty="0" smtClean="0"/>
+          </a:p>
+          <a:p>
+            <a:r>
+              <a:rPr lang="en-US" altLang="ko-KR" sz="2000" dirty="0" smtClean="0"/>
+              <a:t>- </a:t>
+            </a:r>
+            <a:r>
+              <a:rPr lang="ko-KR" altLang="en-US" sz="2000" dirty="0" err="1" smtClean="0"/>
+              <a:t>텍스트박스</a:t>
+            </a:r>
+            <a:endParaRPr lang="ko-KR" altLang="en-US" sz="2000" dirty="0"/>
+          </a:p>
+        </p:txBody>
+      </p:sp>
     </p:spTree>
     <p:extLst>
       <p:ext uri="{BB962C8B-B14F-4D97-AF65-F5344CB8AC3E}">
